--- a/2025-Q4/Promises7/2025-11-15-Promises7.pptx
+++ b/2025-Q4/Promises7/2025-11-15-Promises7.pptx
@@ -281,7 +281,7 @@
               <a:pPr>
                 <a:defRPr/>
               </a:pPr>
-              <a:t>11/15/2025</a:t>
+              <a:t>11/23/2025</a:t>
             </a:fld>
             <a:endParaRPr lang="en-US"/>
           </a:p>
@@ -5015,7 +5015,15 @@
           <a:p>
             <a:r>
               <a:rPr lang="en-US" dirty="0"/>
-              <a:t>"And it shall come to pass afterward That I will pour out My Spirit on all flesh; Your sons and your daughters shall prophesy, Your old men shall dream dreams, Your young men shall see visions. And also on My menservants and on My maid-servants I will pour out My Spirit in those days. "And I will show wonders in the heavens and in the earth: Blood and fire and pillars of smoke. The sun shall be turned into darkness, And the moon into blood, Before the coming of the great and awesome day of the LORD. And it shall come to pass That whoever calls on the name of the LORD Shall be saved. For in Mount Zion and in Jerusalem there shall be deliverance, As the LORD has said, Among the remnant whom the LORD calls.</a:t>
+              <a:t>"And it shall come to pass </a:t>
+            </a:r>
+            <a:r>
+              <a:rPr lang="en-US"/>
+              <a:t>afterward that </a:t>
+            </a:r>
+            <a:r>
+              <a:rPr lang="en-US" dirty="0"/>
+              <a:t>I will pour out My Spirit on all flesh; Your sons and your daughters shall prophesy, Your old men shall dream dreams, Your young men shall see visions. And also on My menservants and on My maid-servants I will pour out My Spirit in those days. "And I will show wonders in the heavens and in the earth: Blood and fire and pillars of smoke. The sun shall be turned into darkness, And the moon into blood, Before the coming of the great and awesome day of the LORD. And it shall come to pass That whoever calls on the name of the LORD Shall be saved. For in Mount Zion and in Jerusalem there shall be deliverance, As the LORD has said, Among the remnant whom the LORD calls.</a:t>
             </a:r>
           </a:p>
           <a:p>
